--- a/Reports/295B/Poster_board/Saldamli-Gokay_Sp20-4-Stock_prediction.pptx
+++ b/Reports/295B/Poster_board/Saldamli-Gokay_Sp20-4-Stock_prediction.pptx
@@ -208,38 +208,6 @@
     </p:extLst>
   </p:cmAuthor>
 </p:cmAuthorLst>
-</file>
-
-<file path=ppt/comments/comment1.xml><?xml version="1.0" encoding="utf-8"?>
-<p:cmLst xmlns:a="http://schemas.openxmlformats.org/drawingml/2006/main" xmlns:r="http://schemas.openxmlformats.org/officeDocument/2006/relationships" xmlns:p="http://schemas.openxmlformats.org/presentationml/2006/main">
-  <p:cm authorId="1" dt="2018-04-04T13:46:25.858" idx="1">
-    <p:pos x="17088" y="411"/>
-    <p:text>Use multiple lines for title if necessary</p:text>
-    <p:extLst>
-      <p:ext uri="{C676402C-5697-4E1C-873F-D02D1690AC5C}">
-        <p15:threadingInfo xmlns:p15="http://schemas.microsoft.com/office/powerpoint/2012/main" timeZoneBias="420"/>
-      </p:ext>
-    </p:extLst>
-  </p:cm>
-  <p:cm authorId="1" dt="2018-04-04T13:47:06.935" idx="2">
-    <p:pos x="26962" y="411"/>
-    <p:text>Break degree into a second line if name is too long. Still too long? Reduce font size for all names.</p:text>
-    <p:extLst>
-      <p:ext uri="{C676402C-5697-4E1C-873F-D02D1690AC5C}">
-        <p15:threadingInfo xmlns:p15="http://schemas.microsoft.com/office/powerpoint/2012/main" timeZoneBias="420"/>
-      </p:ext>
-    </p:extLst>
-  </p:cm>
-  <p:cm authorId="1" dt="2018-04-04T14:12:02.891" idx="3">
-    <p:pos x="6720" y="3563"/>
-    <p:text>Gutters at 12" from the left and right edges must be maintained for the poster folds.</p:text>
-    <p:extLst>
-      <p:ext uri="{C676402C-5697-4E1C-873F-D02D1690AC5C}">
-        <p15:threadingInfo xmlns:p15="http://schemas.microsoft.com/office/powerpoint/2012/main" timeZoneBias="420"/>
-      </p:ext>
-    </p:extLst>
-  </p:cm>
-</p:cmLst>
 </file>
 
 <file path=ppt/notesMasters/notesMaster1.xml><?xml version="1.0" encoding="utf-8"?>
@@ -8134,7 +8102,7 @@
         <p:spPr bwMode="auto">
           <a:xfrm>
             <a:off x="33458655" y="5725399"/>
-            <a:ext cx="8839200" cy="7370383"/>
+            <a:ext cx="8839200" cy="6336831"/>
           </a:xfrm>
           <a:prstGeom prst="rect">
             <a:avLst/>
@@ -8153,9 +8121,12 @@
           </a:bodyPr>
           <a:lstStyle/>
           <a:p>
-            <a:r>
-              <a:rPr lang="en-US" dirty="0"/>
-              <a:t>The performance metrics which will be used for analysis are accuracy, precision, recall and F-1 measure. These measures are calculated based on the outcome of the true positive, true negative, false positive and false negative classes obtained from the confusion matrix. </a:t>
+            <a:pPr>
+              <a:defRPr/>
+            </a:pPr>
+            <a:r>
+              <a:rPr lang="en-US" sz="2987" dirty="0"/>
+              <a:t>After data preprocessing for correlation analysis, it was clear that there was a significant impact of trend on the stock prices. With the Apple Stock price analysis the model was only able to trace the negative veracity in the stock prices. But after the preprocessing and hyper parameter tuning, the model was better at tracking the trend. Both the uptrend and downtrend were very closely matched by the model’s predictions. </a:t>
             </a:r>
           </a:p>
           <a:p>
@@ -8169,21 +8140,9 @@
               <a:defRPr/>
             </a:pPr>
             <a:r>
-              <a:rPr lang="en-US" sz="3200" dirty="0"/>
-              <a:t>These metrics are calculated for both classical machine learning models such as Random Forest, Multi-Layer Perceptron and the advanced deep learning model i.e. using LSTM. The results are compared to prove significant improvement in the performance of the prediction model using LSTM.</a:t>
-            </a:r>
-          </a:p>
-          <a:p>
-            <a:pPr>
-              <a:defRPr/>
-            </a:pPr>
-            <a:endParaRPr lang="en-US" sz="2987" dirty="0"/>
-          </a:p>
-          <a:p>
-            <a:pPr>
-              <a:defRPr/>
-            </a:pPr>
-            <a:endParaRPr lang="en-US" sz="2987" dirty="0"/>
+              <a:rPr lang="en-US" sz="2987" dirty="0"/>
+              <a:t>The model was then integrated with a web application running on a flask server deployed on AWS EC2 for remote availability.</a:t>
+            </a:r>
           </a:p>
         </p:txBody>
       </p:sp>
@@ -8287,8 +8246,41 @@
                 </a:solidFill>
                 <a:latin typeface="Arial" charset="0"/>
               </a:rPr>
-              <a:t>Project Advisor: Gokay saldamli</a:t>
-            </a:r>
+              <a:t>Project Advisor: </a:t>
+            </a:r>
+            <a:r>
+              <a:rPr lang="en-US" sz="4800" b="1" dirty="0" err="1">
+                <a:solidFill>
+                  <a:srgbClr val="FFFFFF"/>
+                </a:solidFill>
+                <a:latin typeface="Arial" charset="0"/>
+              </a:rPr>
+              <a:t>Gokay</a:t>
+            </a:r>
+            <a:r>
+              <a:rPr lang="en-US" sz="4800" b="1" dirty="0">
+                <a:solidFill>
+                  <a:srgbClr val="FFFFFF"/>
+                </a:solidFill>
+                <a:latin typeface="Arial" charset="0"/>
+              </a:rPr>
+              <a:t> </a:t>
+            </a:r>
+            <a:r>
+              <a:rPr lang="en-US" sz="4800" b="1" dirty="0" err="1">
+                <a:solidFill>
+                  <a:srgbClr val="FFFFFF"/>
+                </a:solidFill>
+                <a:latin typeface="Arial" charset="0"/>
+              </a:rPr>
+              <a:t>Saldamli</a:t>
+            </a:r>
+            <a:endParaRPr lang="en-US" sz="4800" b="1" dirty="0">
+              <a:solidFill>
+                <a:srgbClr val="FFFFFF"/>
+              </a:solidFill>
+              <a:latin typeface="Arial" charset="0"/>
+            </a:endParaRPr>
           </a:p>
         </p:txBody>
       </p:sp>
@@ -8584,8 +8576,8 @@
         </p:nvSpPr>
         <p:spPr bwMode="auto">
           <a:xfrm>
-            <a:off x="33568640" y="12096641"/>
-            <a:ext cx="8873067" cy="6631720"/>
+            <a:off x="33561866" y="12474086"/>
+            <a:ext cx="8873067" cy="4498122"/>
           </a:xfrm>
           <a:prstGeom prst="rect">
             <a:avLst/>
@@ -8607,37 +8599,16 @@
             <a:pPr>
               <a:defRPr/>
             </a:pPr>
-            <a:r>
-              <a:rPr lang="en-US" dirty="0"/>
-              <a:t>The stock market data consists of samples recorded every few minutes in each day for the year 2007. Since the dataset is large and each stock data is spread among multiple directories, the stock market prediction is currently analyzed for stock AAPL .we can see that the LSTM model is able to trace the negative movements precisely. </a:t>
-            </a:r>
+            <a:endParaRPr lang="en-US" sz="2987" dirty="0"/>
           </a:p>
           <a:p>
             <a:pPr>
               <a:defRPr/>
             </a:pPr>
-            <a:endParaRPr lang="en-US" sz="2987" dirty="0"/>
-          </a:p>
-          <a:p>
-            <a:pPr>
-              <a:defRPr/>
-            </a:pPr>
-            <a:r>
-              <a:rPr lang="en-US" dirty="0"/>
-              <a:t>This model will further be optimized to accommodate prediction in the positive movements of stock price. The stock data spread among multiple directories will be combined for rest of the stocks and the LSTM model</a:t>
-            </a:r>
-          </a:p>
-          <a:p>
-            <a:pPr>
-              <a:defRPr/>
-            </a:pPr>
-            <a:endParaRPr lang="en-US" sz="2987" dirty="0"/>
-          </a:p>
-          <a:p>
-            <a:pPr>
-              <a:defRPr/>
-            </a:pPr>
-            <a:endParaRPr lang="en-US" sz="2987" dirty="0"/>
+            <a:r>
+              <a:rPr lang="en-US" sz="2987" dirty="0"/>
+              <a:t>The model currently tracks the real stock prices very closely; but there is still scope for improvement. The parameters can still be tuned for better predictions. Also, the latest developments in the field of deep learning for time series like Transformers can be used to obtain better results. The project uses static data. This can be improved to make predictions dynamically the streaming data.</a:t>
+            </a:r>
           </a:p>
         </p:txBody>
       </p:sp>
@@ -8650,13 +8621,13 @@
           <p:nvPr>
             <p:extLst>
               <p:ext uri="{D42A27DB-BD31-4B8C-83A1-F6EECF244321}">
-                <p14:modId xmlns:p14="http://schemas.microsoft.com/office/powerpoint/2010/main" val="2479624449"/>
+                <p14:modId xmlns:p14="http://schemas.microsoft.com/office/powerpoint/2010/main" val="61812728"/>
               </p:ext>
             </p:extLst>
           </p:nvPr>
         </p:nvGraphicFramePr>
         <p:xfrm>
-          <a:off x="33561867" y="26959562"/>
+          <a:off x="33568641" y="27125669"/>
           <a:ext cx="8873066" cy="5196023"/>
         </p:xfrm>
         <a:graphic>
@@ -8722,7 +8693,7 @@
                           <a:ea typeface="+mn-ea"/>
                           <a:cs typeface="Arial" charset="0"/>
                         </a:rPr>
-                        <a:t>e are also very thankful to computer engineer department for providing us the facilities to conduct our research.</a:t>
+                        <a:t>e are also very thankful to Computer Engineering Department for providing us the facilities to conduct our research.</a:t>
                       </a:r>
                       <a:endParaRPr lang="en-US" sz="2900" kern="1200" dirty="0">
                         <a:solidFill>
@@ -8991,7 +8962,7 @@
             <a:pPr defTabSz="3901342"/>
             <a:r>
               <a:rPr lang="en-US" dirty="0"/>
-              <a:t>LSTM Neural Networks are a type of Recurrent Neural that is designed to specifically handle long term dependencies. The RNN module is a simple design having a single tanh layer. LSTMS consists of four layers of tanh where each layer communicates in a unique way. The LSTM can remove or add information to a cell state through a structure called gates.</a:t>
+              <a:t>LSTM Neural Networks are a type of Recurrent Neural Networks that are designed to specifically handle long term dependencies. The RNN module is a simple design having a single tanh layer. LSTMs consist of four layers of tanh where each layer communicates in a unique way. The LSTM can remove or add information to a cell state through a structure called gates.</a:t>
             </a:r>
             <a:endParaRPr lang="en-US" sz="2987" dirty="0"/>
           </a:p>
@@ -9051,7 +9022,7 @@
         </p:nvSpPr>
         <p:spPr bwMode="auto">
           <a:xfrm>
-            <a:off x="12020239" y="6582680"/>
+            <a:off x="12363182" y="6554842"/>
             <a:ext cx="9545807" cy="6172042"/>
           </a:xfrm>
           <a:prstGeom prst="rect">
@@ -9134,7 +9105,7 @@
             </a:pPr>
             <a:r>
               <a:rPr lang="en-US" dirty="0"/>
-              <a:t>With Minimizing RMSE, one can observe that the performance of the model increases. Usually in the training step, the RMSE starts to be a higher number but through different epochs, the number should become smaller.</a:t>
+              <a:t>With Minimizing MSE, one can observe that the performance of the model increases. Usually in the training step, the MSE starts to be a higher number but through different epochs, there is a significant reduction in the error rate.</a:t>
             </a:r>
             <a:endParaRPr lang="en-US" sz="2987" dirty="0"/>
           </a:p>
@@ -9191,8 +9162,8 @@
         </p:nvSpPr>
         <p:spPr bwMode="auto">
           <a:xfrm>
-            <a:off x="1044575" y="26967293"/>
-            <a:ext cx="8873067" cy="5104955"/>
+            <a:off x="1246261" y="27125669"/>
+            <a:ext cx="8873067" cy="4661757"/>
           </a:xfrm>
           <a:prstGeom prst="rect">
             <a:avLst/>
@@ -9218,11 +9189,11 @@
             </a:pPr>
             <a:r>
               <a:rPr lang="en-IN" dirty="0"/>
-              <a:t>The architecture of LSTM neural network is as shown in fig. 7. </a:t>
+              <a:t>The architecture of LSTM neural network is as shown above. </a:t>
             </a:r>
             <a:r>
               <a:rPr lang="en-US" dirty="0"/>
-              <a:t>It is made up of three gates consisting of input gate, forget gate, and output gate. The design has 4 layers among which three of them are sigmoid layers connected to the three gates and the fourth layer is the tanh layer. Forget gate layer -The first step in the LSTM model is to remove the information in the cell state c(t-1) with the help of sigmoid layer. </a:t>
+              <a:t>It consists of three gates - input gate, forget gate, and output gate. The design has 4 layers among which three of them are sigmoid layers connected to the three gates and the fourth layer is the tanh layer. Forget gate layer -The first step in the LSTM model is to remove the information in the cell state c(t-1) with the help of sigmoid layer. </a:t>
             </a:r>
           </a:p>
           <a:p>
@@ -9249,7 +9220,7 @@
         </p:nvSpPr>
         <p:spPr bwMode="auto">
           <a:xfrm>
-            <a:off x="11813473" y="16309689"/>
+            <a:off x="12162944" y="16512487"/>
             <a:ext cx="9746045" cy="10204075"/>
           </a:xfrm>
           <a:prstGeom prst="rect">
@@ -9295,22 +9266,13 @@
           </a:p>
           <a:p>
             <a:pPr marL="406390" lvl="2" indent="0"/>
-            <a:endParaRPr lang="en-US" sz="2987" dirty="0"/>
-          </a:p>
-          <a:p>
-            <a:r>
-              <a:rPr lang="en-US" sz="2987" dirty="0"/>
-              <a:t> </a:t>
-            </a:r>
+            <a:endParaRPr lang="en-US" sz="2987" b="1" dirty="0"/>
+          </a:p>
+          <a:p>
+            <a:pPr marL="406390" lvl="2" indent="0"/>
             <a:r>
               <a:rPr lang="en-US" sz="3200" dirty="0"/>
-              <a:t>Gated Recurrent Unit is the improvised version of Recurrent Neural Network and has a lot in common with LSTM.</a:t>
-            </a:r>
-          </a:p>
-          <a:p>
-            <a:r>
-              <a:rPr lang="en-US" sz="3200" dirty="0"/>
-              <a:t>While LSTM used cell state to maintain internal memory, GRU uses the hidden state to transfer information. It has two gates, a reset gate and an update gate. </a:t>
+              <a:t>Gated Recurrent Unit is the improvised version of Recurrent Neural Network and has a lot in common with LSTM. While LSTM used cell state to maintain internal memory, GRU uses the hidden state to transfer information. It has two gates, a reset gate and an update gate. </a:t>
             </a:r>
           </a:p>
           <a:p>
@@ -9359,7 +9321,7 @@
           <a:p>
             <a:r>
               <a:rPr lang="en-US" dirty="0"/>
-              <a:t>The processed data is given as input to the LSTM model. The LSTM neural network currently consists of four layers and a 20 % dropout is attained at each layer to prevent any overfitting. Utilized Adam optimizer with mean square error as loss function. Fig. 8 shows the preliminary results obtained. As we can see the model is able to predict the negative movements in stock price clearly. This model will further be fine-tuned to be able to get the predictions for positive movements in stock price.</a:t>
+              <a:t>The processed data is given as input to the LSTM model. The LSTM neural network currently consists of four layers and a 20 % dropout is attained at each layer to prevent any overfitting. Utilized Adam optimizer with mean square error as loss function. The above figure shows the preliminary results obtained. As we can see the model is able to predict the negative movements in stock price clearly. This model will further be fine-tuned to be able to get the predictions for positive movements in stock price.</a:t>
             </a:r>
           </a:p>
         </p:txBody>
@@ -9374,7 +9336,7 @@
         </p:nvSpPr>
         <p:spPr bwMode="auto">
           <a:xfrm>
-            <a:off x="22495799" y="25829383"/>
+            <a:off x="22334951" y="23104835"/>
             <a:ext cx="9122122" cy="3069654"/>
           </a:xfrm>
           <a:prstGeom prst="rect">
@@ -9399,7 +9361,7 @@
             </a:pPr>
             <a:r>
               <a:rPr lang="en-US" dirty="0"/>
-              <a:t>Root Mean Square Error (RMSE)is used is to calculate the square root of the mean of actual values minus predicted values divided by the number of observations. Mathematically it is defined by the following formula: </a:t>
+              <a:t>Mean Squared Error (MSE)is used is to calculate the square root of the mean of actual values minus predicted values divided by the number of observations. Mathematically it is defined by the following formula: </a:t>
             </a:r>
           </a:p>
           <a:p>
@@ -9507,7 +9469,7 @@
                 </a:solidFill>
                 <a:latin typeface="Arial" charset="0"/>
               </a:rPr>
-              <a:t>Konatham, Mahesh Reddy (MS Software Engineering) </a:t>
+              <a:t>Konatham, Mahesh Reddy</a:t>
             </a:r>
           </a:p>
           <a:p>
@@ -9521,7 +9483,35 @@
                 </a:solidFill>
                 <a:latin typeface="Arial" charset="0"/>
               </a:rPr>
-              <a:t>Hagalahalli Srinivas, Shreya (MS Computer Engineering)</a:t>
+              <a:t>(MS Software Engineering) </a:t>
+            </a:r>
+          </a:p>
+          <a:p>
+            <a:pPr eaLnBrk="0" hangingPunct="0">
+              <a:defRPr/>
+            </a:pPr>
+            <a:r>
+              <a:rPr lang="en-US" sz="3600" b="1" dirty="0">
+                <a:solidFill>
+                  <a:srgbClr val="FFFFFF"/>
+                </a:solidFill>
+                <a:latin typeface="Arial" charset="0"/>
+              </a:rPr>
+              <a:t>Hagalahalli Srinivas, Shreya </a:t>
+            </a:r>
+          </a:p>
+          <a:p>
+            <a:pPr eaLnBrk="0" hangingPunct="0">
+              <a:defRPr/>
+            </a:pPr>
+            <a:r>
+              <a:rPr lang="en-US" sz="3600" b="1" dirty="0">
+                <a:solidFill>
+                  <a:srgbClr val="FFFFFF"/>
+                </a:solidFill>
+                <a:latin typeface="Arial" charset="0"/>
+              </a:rPr>
+              <a:t>(MS Computer Engineering)</a:t>
             </a:r>
           </a:p>
           <a:p>
@@ -9637,34 +9627,6 @@
       </p:sp>
       <p:pic>
         <p:nvPicPr>
-          <p:cNvPr id="39" name="Picture 38">
-            <a:extLst>
-              <a:ext uri="{FF2B5EF4-FFF2-40B4-BE49-F238E27FC236}">
-                <a16:creationId xmlns:a16="http://schemas.microsoft.com/office/drawing/2014/main" id="{DF3C260E-1581-A64D-B685-60A034F6B1F7}"/>
-              </a:ext>
-            </a:extLst>
-          </p:cNvPr>
-          <p:cNvPicPr/>
-          <p:nvPr/>
-        </p:nvPicPr>
-        <p:blipFill>
-          <a:blip r:embed="rId4"/>
-          <a:stretch>
-            <a:fillRect/>
-          </a:stretch>
-        </p:blipFill>
-        <p:spPr>
-          <a:xfrm>
-            <a:off x="3769996" y="10701288"/>
-            <a:ext cx="3422227" cy="2560238"/>
-          </a:xfrm>
-          <a:prstGeom prst="rect">
-            <a:avLst/>
-          </a:prstGeom>
-        </p:spPr>
-      </p:pic>
-      <p:pic>
-        <p:nvPicPr>
           <p:cNvPr id="40" name="Picture 39">
             <a:extLst>
               <a:ext uri="{FF2B5EF4-FFF2-40B4-BE49-F238E27FC236}">
@@ -9676,7 +9638,7 @@
           <p:nvPr/>
         </p:nvPicPr>
         <p:blipFill>
-          <a:blip r:embed="rId5"/>
+          <a:blip r:embed="rId4"/>
           <a:stretch>
             <a:fillRect/>
           </a:stretch>
@@ -9709,7 +9671,7 @@
           <p:nvPr/>
         </p:nvPicPr>
         <p:blipFill>
-          <a:blip r:embed="rId6">
+          <a:blip r:embed="rId5" cstate="print">
             <a:extLst>
               <a:ext uri="{28A0092B-C50C-407E-A947-70E740481C1C}">
                 <a14:useLocalDpi xmlns:a14="http://schemas.microsoft.com/office/drawing/2010/main" val="0"/>
@@ -9723,136 +9685,8 @@
         </p:blipFill>
         <p:spPr bwMode="auto">
           <a:xfrm>
-            <a:off x="24426934" y="16395253"/>
-            <a:ext cx="5259852" cy="2581697"/>
-          </a:xfrm>
-          <a:prstGeom prst="rect">
-            <a:avLst/>
-          </a:prstGeom>
-          <a:noFill/>
-          <a:ln>
-            <a:noFill/>
-          </a:ln>
-        </p:spPr>
-      </p:pic>
-      <p:pic>
-        <p:nvPicPr>
-          <p:cNvPr id="44" name="Picture 43">
-            <a:extLst>
-              <a:ext uri="{FF2B5EF4-FFF2-40B4-BE49-F238E27FC236}">
-                <a16:creationId xmlns:a16="http://schemas.microsoft.com/office/drawing/2014/main" id="{6C8AAC36-3516-4B4B-9406-BF267E63CA4C}"/>
-              </a:ext>
-            </a:extLst>
-          </p:cNvPr>
-          <p:cNvPicPr/>
-          <p:nvPr/>
-        </p:nvPicPr>
-        <p:blipFill>
-          <a:blip r:embed="rId7"/>
-          <a:stretch>
-            <a:fillRect/>
-          </a:stretch>
-        </p:blipFill>
-        <p:spPr>
-          <a:xfrm>
-            <a:off x="25392623" y="11630176"/>
-            <a:ext cx="3022600" cy="2603500"/>
-          </a:xfrm>
-          <a:prstGeom prst="rect">
-            <a:avLst/>
-          </a:prstGeom>
-          <a:ln w="12700">
-            <a:solidFill>
-              <a:schemeClr val="tx1"/>
-            </a:solidFill>
-          </a:ln>
-        </p:spPr>
-      </p:pic>
-      <p:pic>
-        <p:nvPicPr>
-          <p:cNvPr id="45" name="Picture 44">
-            <a:extLst>
-              <a:ext uri="{FF2B5EF4-FFF2-40B4-BE49-F238E27FC236}">
-                <a16:creationId xmlns:a16="http://schemas.microsoft.com/office/drawing/2014/main" id="{4B6897E5-A3F4-4F45-8F78-E649BFC0A22E}"/>
-              </a:ext>
-            </a:extLst>
-          </p:cNvPr>
-          <p:cNvPicPr/>
-          <p:nvPr/>
-        </p:nvPicPr>
-        <p:blipFill>
-          <a:blip r:embed="rId8"/>
-          <a:stretch>
-            <a:fillRect/>
-          </a:stretch>
-        </p:blipFill>
-        <p:spPr>
-          <a:xfrm>
-            <a:off x="13547558" y="13379188"/>
-            <a:ext cx="6015789" cy="2382180"/>
-          </a:xfrm>
-          <a:prstGeom prst="rect">
-            <a:avLst/>
-          </a:prstGeom>
-        </p:spPr>
-      </p:pic>
-      <p:pic>
-        <p:nvPicPr>
-          <p:cNvPr id="47" name="Picture 46">
-            <a:extLst>
-              <a:ext uri="{FF2B5EF4-FFF2-40B4-BE49-F238E27FC236}">
-                <a16:creationId xmlns:a16="http://schemas.microsoft.com/office/drawing/2014/main" id="{8CE0F9F5-E890-44A9-BF70-980AA253EC54}"/>
-              </a:ext>
-            </a:extLst>
-          </p:cNvPr>
-          <p:cNvPicPr/>
-          <p:nvPr/>
-        </p:nvPicPr>
-        <p:blipFill>
-          <a:blip r:embed="rId9"/>
-          <a:stretch>
-            <a:fillRect/>
-          </a:stretch>
-        </p:blipFill>
-        <p:spPr>
-          <a:xfrm>
-            <a:off x="22992570" y="23685018"/>
-            <a:ext cx="2970530" cy="2108200"/>
-          </a:xfrm>
-          <a:prstGeom prst="rect">
-            <a:avLst/>
-          </a:prstGeom>
-        </p:spPr>
-      </p:pic>
-      <p:pic>
-        <p:nvPicPr>
-          <p:cNvPr id="48" name="Picture 47">
-            <a:extLst>
-              <a:ext uri="{FF2B5EF4-FFF2-40B4-BE49-F238E27FC236}">
-                <a16:creationId xmlns:a16="http://schemas.microsoft.com/office/drawing/2014/main" id="{6099B44E-F530-9E40-9F6B-63F3C7D2F31C}"/>
-              </a:ext>
-            </a:extLst>
-          </p:cNvPr>
-          <p:cNvPicPr/>
-          <p:nvPr/>
-        </p:nvPicPr>
-        <p:blipFill>
-          <a:blip r:embed="rId10">
-            <a:extLst>
-              <a:ext uri="{28A0092B-C50C-407E-A947-70E740481C1C}">
-                <a14:useLocalDpi xmlns:a14="http://schemas.microsoft.com/office/drawing/2010/main" val="0"/>
-              </a:ext>
-            </a:extLst>
-          </a:blip>
-          <a:srcRect/>
-          <a:stretch>
-            <a:fillRect/>
-          </a:stretch>
-        </p:blipFill>
-        <p:spPr bwMode="auto">
-          <a:xfrm>
-            <a:off x="26815023" y="23432306"/>
-            <a:ext cx="3200400" cy="2400300"/>
+            <a:off x="26707548" y="11211703"/>
+            <a:ext cx="4061833" cy="2697092"/>
           </a:xfrm>
           <a:prstGeom prst="rect">
             <a:avLst/>
@@ -9876,14 +9710,14 @@
           <p:nvPr/>
         </p:nvPicPr>
         <p:blipFill>
-          <a:blip r:embed="rId11"/>
+          <a:blip r:embed="rId6"/>
           <a:stretch>
             <a:fillRect/>
           </a:stretch>
         </p:blipFill>
         <p:spPr>
           <a:xfrm>
-            <a:off x="13113328" y="27860702"/>
+            <a:off x="12797341" y="27239963"/>
             <a:ext cx="7077823" cy="2659414"/>
           </a:xfrm>
           <a:prstGeom prst="rect">
@@ -9893,14 +9727,190 @@
       </p:pic>
       <p:pic>
         <p:nvPicPr>
-          <p:cNvPr id="51" name="Picture 50">
+          <p:cNvPr id="4" name="Picture 3" descr="Diagram&#10;&#10;Description automatically generated">
             <a:extLst>
               <a:ext uri="{FF2B5EF4-FFF2-40B4-BE49-F238E27FC236}">
-                <a16:creationId xmlns:a16="http://schemas.microsoft.com/office/drawing/2014/main" id="{CAEE7407-2ADA-C240-83E9-D8A2921F3D04}"/>
+                <a16:creationId xmlns:a16="http://schemas.microsoft.com/office/drawing/2014/main" id="{B8959157-C143-445A-B590-81FEADBB7064}"/>
               </a:ext>
             </a:extLst>
           </p:cNvPr>
-          <p:cNvPicPr/>
+          <p:cNvPicPr>
+            <a:picLocks noChangeAspect="1"/>
+          </p:cNvPicPr>
+          <p:nvPr/>
+        </p:nvPicPr>
+        <p:blipFill>
+          <a:blip r:embed="rId7" cstate="print">
+            <a:extLst>
+              <a:ext uri="{28A0092B-C50C-407E-A947-70E740481C1C}">
+                <a14:useLocalDpi xmlns:a14="http://schemas.microsoft.com/office/drawing/2010/main" val="0"/>
+              </a:ext>
+            </a:extLst>
+          </a:blip>
+          <a:stretch>
+            <a:fillRect/>
+          </a:stretch>
+        </p:blipFill>
+        <p:spPr>
+          <a:xfrm>
+            <a:off x="3056021" y="10632030"/>
+            <a:ext cx="4302289" cy="2809643"/>
+          </a:xfrm>
+          <a:prstGeom prst="rect">
+            <a:avLst/>
+          </a:prstGeom>
+        </p:spPr>
+      </p:pic>
+      <p:pic>
+        <p:nvPicPr>
+          <p:cNvPr id="6" name="Picture 5" descr="A picture containing text, newspaper&#10;&#10;Description automatically generated">
+            <a:extLst>
+              <a:ext uri="{FF2B5EF4-FFF2-40B4-BE49-F238E27FC236}">
+                <a16:creationId xmlns:a16="http://schemas.microsoft.com/office/drawing/2014/main" id="{9FA54E41-0456-4BA3-86C6-07C8D5EA38DA}"/>
+              </a:ext>
+            </a:extLst>
+          </p:cNvPr>
+          <p:cNvPicPr>
+            <a:picLocks noChangeAspect="1"/>
+          </p:cNvPicPr>
+          <p:nvPr/>
+        </p:nvPicPr>
+        <p:blipFill>
+          <a:blip r:embed="rId8">
+            <a:extLst>
+              <a:ext uri="{28A0092B-C50C-407E-A947-70E740481C1C}">
+                <a14:useLocalDpi xmlns:a14="http://schemas.microsoft.com/office/drawing/2010/main" val="0"/>
+              </a:ext>
+            </a:extLst>
+          </a:blip>
+          <a:stretch>
+            <a:fillRect/>
+          </a:stretch>
+        </p:blipFill>
+        <p:spPr>
+          <a:xfrm>
+            <a:off x="12797341" y="12036851"/>
+            <a:ext cx="8477250" cy="4124325"/>
+          </a:xfrm>
+          <a:prstGeom prst="rect">
+            <a:avLst/>
+          </a:prstGeom>
+        </p:spPr>
+      </p:pic>
+      <p:pic>
+        <p:nvPicPr>
+          <p:cNvPr id="8" name="Picture 7" descr="Diagram&#10;&#10;Description automatically generated">
+            <a:extLst>
+              <a:ext uri="{FF2B5EF4-FFF2-40B4-BE49-F238E27FC236}">
+                <a16:creationId xmlns:a16="http://schemas.microsoft.com/office/drawing/2014/main" id="{BE269C62-4493-4F35-8EE8-C859B929C9EC}"/>
+              </a:ext>
+            </a:extLst>
+          </p:cNvPr>
+          <p:cNvPicPr>
+            <a:picLocks noChangeAspect="1"/>
+          </p:cNvPicPr>
+          <p:nvPr/>
+        </p:nvPicPr>
+        <p:blipFill>
+          <a:blip r:embed="rId9">
+            <a:extLst>
+              <a:ext uri="{28A0092B-C50C-407E-A947-70E740481C1C}">
+                <a14:useLocalDpi xmlns:a14="http://schemas.microsoft.com/office/drawing/2010/main" val="0"/>
+              </a:ext>
+            </a:extLst>
+          </a:blip>
+          <a:stretch>
+            <a:fillRect/>
+          </a:stretch>
+        </p:blipFill>
+        <p:spPr>
+          <a:xfrm>
+            <a:off x="22819730" y="11204353"/>
+            <a:ext cx="3629025" cy="2771775"/>
+          </a:xfrm>
+          <a:prstGeom prst="rect">
+            <a:avLst/>
+          </a:prstGeom>
+        </p:spPr>
+      </p:pic>
+      <p:pic>
+        <p:nvPicPr>
+          <p:cNvPr id="12" name="Picture 11" descr="Chart, line chart&#10;&#10;Description automatically generated">
+            <a:extLst>
+              <a:ext uri="{FF2B5EF4-FFF2-40B4-BE49-F238E27FC236}">
+                <a16:creationId xmlns:a16="http://schemas.microsoft.com/office/drawing/2014/main" id="{E213F200-EAFC-4A1E-8D0B-D40BF4812C6F}"/>
+              </a:ext>
+            </a:extLst>
+          </p:cNvPr>
+          <p:cNvPicPr>
+            <a:picLocks noChangeAspect="1"/>
+          </p:cNvPicPr>
+          <p:nvPr/>
+        </p:nvPicPr>
+        <p:blipFill>
+          <a:blip r:embed="rId10" cstate="print">
+            <a:extLst>
+              <a:ext uri="{28A0092B-C50C-407E-A947-70E740481C1C}">
+                <a14:useLocalDpi xmlns:a14="http://schemas.microsoft.com/office/drawing/2010/main" val="0"/>
+              </a:ext>
+            </a:extLst>
+          </a:blip>
+          <a:stretch>
+            <a:fillRect/>
+          </a:stretch>
+        </p:blipFill>
+        <p:spPr>
+          <a:xfrm>
+            <a:off x="22745954" y="16459200"/>
+            <a:ext cx="4061834" cy="2885760"/>
+          </a:xfrm>
+          <a:prstGeom prst="rect">
+            <a:avLst/>
+          </a:prstGeom>
+        </p:spPr>
+      </p:pic>
+      <p:pic>
+        <p:nvPicPr>
+          <p:cNvPr id="49" name="Picture 48">
+            <a:extLst>
+              <a:ext uri="{FF2B5EF4-FFF2-40B4-BE49-F238E27FC236}">
+                <a16:creationId xmlns:a16="http://schemas.microsoft.com/office/drawing/2014/main" id="{8297835B-C8E6-4F24-B744-C2BF36AAF4A7}"/>
+              </a:ext>
+            </a:extLst>
+          </p:cNvPr>
+          <p:cNvPicPr>
+            <a:picLocks noChangeAspect="1"/>
+          </p:cNvPicPr>
+          <p:nvPr/>
+        </p:nvPicPr>
+        <p:blipFill>
+          <a:blip r:embed="rId11"/>
+          <a:stretch>
+            <a:fillRect/>
+          </a:stretch>
+        </p:blipFill>
+        <p:spPr>
+          <a:xfrm>
+            <a:off x="27292434" y="16314361"/>
+            <a:ext cx="3662177" cy="2885760"/>
+          </a:xfrm>
+          <a:prstGeom prst="rect">
+            <a:avLst/>
+          </a:prstGeom>
+        </p:spPr>
+      </p:pic>
+      <p:pic>
+        <p:nvPicPr>
+          <p:cNvPr id="16" name="Picture 15" descr="A picture containing text, clock, gauge&#10;&#10;Description automatically generated">
+            <a:extLst>
+              <a:ext uri="{FF2B5EF4-FFF2-40B4-BE49-F238E27FC236}">
+                <a16:creationId xmlns:a16="http://schemas.microsoft.com/office/drawing/2014/main" id="{A693F7AB-E884-41F8-8F96-8E325DF13BC5}"/>
+              </a:ext>
+            </a:extLst>
+          </p:cNvPr>
+          <p:cNvPicPr>
+            <a:picLocks noChangeAspect="1"/>
+          </p:cNvPicPr>
           <p:nvPr/>
         </p:nvPicPr>
         <p:blipFill>
@@ -9911,56 +9921,54 @@
               </a:ext>
             </a:extLst>
           </a:blip>
-          <a:srcRect/>
-          <a:stretch>
-            <a:fillRect/>
-          </a:stretch>
-        </p:blipFill>
-        <p:spPr bwMode="auto">
-          <a:xfrm>
-            <a:off x="22804016" y="28328507"/>
-            <a:ext cx="3380833" cy="2659413"/>
-          </a:xfrm>
-          <a:prstGeom prst="rect">
-            <a:avLst/>
-          </a:prstGeom>
-          <a:noFill/>
-          <a:ln>
-            <a:noFill/>
-          </a:ln>
-        </p:spPr>
-      </p:pic>
-      <p:pic>
-        <p:nvPicPr>
-          <p:cNvPr id="52" name="Picture 51">
-            <a:extLst>
-              <a:ext uri="{FF2B5EF4-FFF2-40B4-BE49-F238E27FC236}">
-                <a16:creationId xmlns:a16="http://schemas.microsoft.com/office/drawing/2014/main" id="{10B41969-835E-2748-A0F8-609AA5E8B426}"/>
-              </a:ext>
-            </a:extLst>
-          </p:cNvPr>
-          <p:cNvPicPr/>
-          <p:nvPr/>
-        </p:nvPicPr>
-        <p:blipFill>
-          <a:blip r:embed="rId13"/>
           <a:stretch>
             <a:fillRect/>
           </a:stretch>
         </p:blipFill>
         <p:spPr>
           <a:xfrm>
-            <a:off x="26946808" y="28943559"/>
-            <a:ext cx="3380833" cy="1576557"/>
+            <a:off x="13023559" y="30274336"/>
+            <a:ext cx="6069073" cy="1881249"/>
           </a:xfrm>
           <a:prstGeom prst="rect">
             <a:avLst/>
           </a:prstGeom>
-          <a:ln w="12700">
-            <a:solidFill>
-              <a:schemeClr val="tx1"/>
-            </a:solidFill>
-          </a:ln>
+        </p:spPr>
+      </p:pic>
+      <p:pic>
+        <p:nvPicPr>
+          <p:cNvPr id="18" name="Picture 17" descr="Chart&#10;&#10;Description automatically generated">
+            <a:extLst>
+              <a:ext uri="{FF2B5EF4-FFF2-40B4-BE49-F238E27FC236}">
+                <a16:creationId xmlns:a16="http://schemas.microsoft.com/office/drawing/2014/main" id="{FFACCB88-E902-44AC-A0B5-8499E391B318}"/>
+              </a:ext>
+            </a:extLst>
+          </p:cNvPr>
+          <p:cNvPicPr>
+            <a:picLocks noChangeAspect="1"/>
+          </p:cNvPicPr>
+          <p:nvPr/>
+        </p:nvPicPr>
+        <p:blipFill>
+          <a:blip r:embed="rId13">
+            <a:extLst>
+              <a:ext uri="{28A0092B-C50C-407E-A947-70E740481C1C}">
+                <a14:useLocalDpi xmlns:a14="http://schemas.microsoft.com/office/drawing/2010/main" val="0"/>
+              </a:ext>
+            </a:extLst>
+          </a:blip>
+          <a:stretch>
+            <a:fillRect/>
+          </a:stretch>
+        </p:blipFill>
+        <p:spPr>
+          <a:xfrm>
+            <a:off x="22400478" y="25271552"/>
+            <a:ext cx="8873066" cy="6654800"/>
+          </a:xfrm>
+          <a:prstGeom prst="rect">
+            <a:avLst/>
+          </a:prstGeom>
         </p:spPr>
       </p:pic>
     </p:spTree>
